--- a/발표자료/3주차/자구설_2주차_Final.pptx
+++ b/발표자료/3주차/자구설_2주차_Final.pptx
@@ -9,8 +9,9 @@
     <p:sldId id="259" r:id="rId3"/>
     <p:sldId id="258" r:id="rId4"/>
     <p:sldId id="257" r:id="rId5"/>
-    <p:sldId id="262" r:id="rId6"/>
-    <p:sldId id="263" r:id="rId7"/>
+    <p:sldId id="264" r:id="rId6"/>
+    <p:sldId id="262" r:id="rId7"/>
+    <p:sldId id="263" r:id="rId8"/>
   </p:sldIdLst>
   <p:sldSz cx="12192000" cy="6858000"/>
   <p:notesSz cx="6858000" cy="9144000"/>
@@ -287,7 +288,7 @@
             <a:fld id="{87DE6118-2437-4B30-8E3C-4D2BE6020583}" type="datetimeFigureOut">
               <a:rPr lang="en-US" dirty="0"/>
               <a:pPr/>
-              <a:t>9/16/2018</a:t>
+              <a:t>9/17/2018</a:t>
             </a:fld>
             <a:endParaRPr lang="en-US" dirty="0"/>
           </a:p>
@@ -613,7 +614,7 @@
           <a:p>
             <a:fld id="{87DE6118-2437-4B30-8E3C-4D2BE6020583}" type="datetimeFigureOut">
               <a:rPr lang="en-US" dirty="0"/>
-              <a:t>9/16/2018</a:t>
+              <a:t>9/17/2018</a:t>
             </a:fld>
             <a:endParaRPr lang="en-US" dirty="0"/>
           </a:p>
@@ -788,7 +789,7 @@
           <a:p>
             <a:fld id="{87DE6118-2437-4B30-8E3C-4D2BE6020583}" type="datetimeFigureOut">
               <a:rPr lang="en-US" dirty="0"/>
-              <a:t>9/16/2018</a:t>
+              <a:t>9/17/2018</a:t>
             </a:fld>
             <a:endParaRPr lang="en-US" dirty="0"/>
           </a:p>
@@ -953,7 +954,7 @@
           <a:p>
             <a:fld id="{87DE6118-2437-4B30-8E3C-4D2BE6020583}" type="datetimeFigureOut">
               <a:rPr lang="en-US" dirty="0"/>
-              <a:t>9/16/2018</a:t>
+              <a:t>9/17/2018</a:t>
             </a:fld>
             <a:endParaRPr lang="en-US" dirty="0"/>
           </a:p>
@@ -1226,7 +1227,7 @@
             <a:fld id="{87DE6118-2437-4B30-8E3C-4D2BE6020583}" type="datetimeFigureOut">
               <a:rPr lang="en-US" dirty="0"/>
               <a:pPr/>
-              <a:t>9/16/2018</a:t>
+              <a:t>9/17/2018</a:t>
             </a:fld>
             <a:endParaRPr lang="en-US" dirty="0"/>
           </a:p>
@@ -1616,7 +1617,7 @@
           <a:p>
             <a:fld id="{87DE6118-2437-4B30-8E3C-4D2BE6020583}" type="datetimeFigureOut">
               <a:rPr lang="en-US" dirty="0"/>
-              <a:t>9/16/2018</a:t>
+              <a:t>9/17/2018</a:t>
             </a:fld>
             <a:endParaRPr lang="en-US" dirty="0"/>
           </a:p>
@@ -2088,7 +2089,7 @@
           <a:p>
             <a:fld id="{87DE6118-2437-4B30-8E3C-4D2BE6020583}" type="datetimeFigureOut">
               <a:rPr lang="en-US" dirty="0"/>
-              <a:t>9/16/2018</a:t>
+              <a:t>9/17/2018</a:t>
             </a:fld>
             <a:endParaRPr lang="en-US" dirty="0"/>
           </a:p>
@@ -2201,7 +2202,7 @@
           <a:p>
             <a:fld id="{87DE6118-2437-4B30-8E3C-4D2BE6020583}" type="datetimeFigureOut">
               <a:rPr lang="en-US" dirty="0"/>
-              <a:t>9/16/2018</a:t>
+              <a:t>9/17/2018</a:t>
             </a:fld>
             <a:endParaRPr lang="en-US" dirty="0"/>
           </a:p>
@@ -2291,7 +2292,7 @@
           <a:p>
             <a:fld id="{87DE6118-2437-4B30-8E3C-4D2BE6020583}" type="datetimeFigureOut">
               <a:rPr lang="en-US" dirty="0"/>
-              <a:t>9/16/2018</a:t>
+              <a:t>9/17/2018</a:t>
             </a:fld>
             <a:endParaRPr lang="en-US" dirty="0"/>
           </a:p>
@@ -2633,7 +2634,7 @@
             <a:fld id="{87DE6118-2437-4B30-8E3C-4D2BE6020583}" type="datetimeFigureOut">
               <a:rPr lang="en-US" dirty="0"/>
               <a:pPr/>
-              <a:t>9/16/2018</a:t>
+              <a:t>9/17/2018</a:t>
             </a:fld>
             <a:endParaRPr lang="en-US" dirty="0"/>
           </a:p>
@@ -3018,7 +3019,7 @@
             <a:fld id="{87DE6118-2437-4B30-8E3C-4D2BE6020583}" type="datetimeFigureOut">
               <a:rPr lang="en-US" dirty="0"/>
               <a:pPr/>
-              <a:t>9/16/2018</a:t>
+              <a:t>9/17/2018</a:t>
             </a:fld>
             <a:endParaRPr lang="en-US" dirty="0"/>
           </a:p>
@@ -3293,7 +3294,7 @@
             <a:fld id="{87DE6118-2437-4B30-8E3C-4D2BE6020583}" type="datetimeFigureOut">
               <a:rPr lang="en-US" dirty="0"/>
               <a:pPr/>
-              <a:t>9/16/2018</a:t>
+              <a:t>9/17/2018</a:t>
             </a:fld>
             <a:endParaRPr lang="en-US" dirty="0"/>
           </a:p>
@@ -4317,7 +4318,7 @@
               <a:rPr lang="en-US" altLang="ko-KR" b="1" dirty="0">
                 <a:latin typeface="Arial Black" panose="020B0A04020102020204" pitchFamily="34" charset="0"/>
               </a:rPr>
-              <a:t>SOLVING</a:t>
+              <a:t>MAKING GRAPH</a:t>
             </a:r>
             <a:endParaRPr lang="ko-KR" altLang="en-US" b="1" dirty="0">
               <a:latin typeface="Arial Black" panose="020B0A04020102020204" pitchFamily="34" charset="0"/>
@@ -4505,25 +4506,8 @@
             </a:r>
             <a:r>
               <a:rPr lang="ko-KR" altLang="en-US" dirty="0"/>
-              <a:t>교통량 등을 계산</a:t>
-            </a:r>
-            <a:endParaRPr lang="en-US" altLang="ko-KR" dirty="0"/>
-          </a:p>
-          <a:p>
-            <a:r>
-              <a:rPr lang="ko-KR" altLang="en-US" dirty="0"/>
-              <a:t>최적의 모임장소를 발견</a:t>
-            </a:r>
-            <a:endParaRPr lang="en-US" altLang="ko-KR" dirty="0"/>
-          </a:p>
-          <a:p>
-            <a:r>
-              <a:rPr lang="ko-KR" altLang="en-US" dirty="0"/>
-              <a:t>시각화</a:t>
-            </a:r>
-            <a:endParaRPr lang="en-US" altLang="ko-KR" dirty="0"/>
-          </a:p>
-          <a:p>
+              <a:t>시간대 별 교통량 등을 계산</a:t>
+            </a:r>
             <a:endParaRPr lang="en-US" altLang="ko-KR" b="1" i="1" dirty="0"/>
           </a:p>
           <a:p>
@@ -4675,7 +4659,7 @@
               <a:rPr lang="en-US" altLang="ko-KR" b="1" dirty="0">
                 <a:latin typeface="Arial Black" panose="020B0A04020102020204" pitchFamily="34" charset="0"/>
               </a:rPr>
-              <a:t>SOLVING</a:t>
+              <a:t>MAKING INSIGHT</a:t>
             </a:r>
             <a:endParaRPr lang="ko-KR" altLang="en-US" b="1" dirty="0">
               <a:latin typeface="Arial Black" panose="020B0A04020102020204" pitchFamily="34" charset="0"/>
@@ -5042,6 +5026,10 @@
           </a:bodyPr>
           <a:lstStyle/>
           <a:p>
+            <a:pPr marL="457200" indent="-457200">
+              <a:buFont typeface="+mj-lt"/>
+              <a:buAutoNum type="arabicPeriod"/>
+            </a:pPr>
             <a:r>
               <a:rPr lang="en-US" altLang="ko-KR" dirty="0">
                 <a:latin typeface="휴먼엑스포" panose="02030504000101010101" pitchFamily="18" charset="-127"/>
@@ -5054,35 +5042,28 @@
                 <a:latin typeface="휴먼엑스포" panose="02030504000101010101" pitchFamily="18" charset="-127"/>
                 <a:ea typeface="휴먼엑스포" panose="02030504000101010101" pitchFamily="18" charset="-127"/>
               </a:rPr>
-              <a:t>점을 포함하는 </a:t>
+              <a:t>점을 포함하는</a:t>
+            </a:r>
+            <a:r>
+              <a:rPr lang="en-US" altLang="ko-KR" dirty="0" err="1">
+                <a:latin typeface="휴먼엑스포" panose="02030504000101010101" pitchFamily="18" charset="-127"/>
+                <a:ea typeface="휴먼엑스포" panose="02030504000101010101" pitchFamily="18" charset="-127"/>
+              </a:rPr>
+              <a:t>SubGraph</a:t>
             </a:r>
             <a:r>
               <a:rPr lang="en-US" altLang="ko-KR" dirty="0">
                 <a:latin typeface="휴먼엑스포" panose="02030504000101010101" pitchFamily="18" charset="-127"/>
                 <a:ea typeface="휴먼엑스포" panose="02030504000101010101" pitchFamily="18" charset="-127"/>
               </a:rPr>
-              <a:t>Connected Graph </a:t>
+              <a:t> </a:t>
             </a:r>
             <a:r>
               <a:rPr lang="ko-KR" altLang="en-US" dirty="0">
                 <a:latin typeface="휴먼엑스포" panose="02030504000101010101" pitchFamily="18" charset="-127"/>
                 <a:ea typeface="휴먼엑스포" panose="02030504000101010101" pitchFamily="18" charset="-127"/>
               </a:rPr>
-              <a:t>를 </a:t>
-            </a:r>
-            <a:r>
-              <a:rPr lang="en-US" altLang="ko-KR" dirty="0">
-                <a:latin typeface="휴먼엑스포" panose="02030504000101010101" pitchFamily="18" charset="-127"/>
-                <a:ea typeface="휴먼엑스포" panose="02030504000101010101" pitchFamily="18" charset="-127"/>
-              </a:rPr>
-              <a:t>Subtree </a:t>
-            </a:r>
-            <a:r>
-              <a:rPr lang="ko-KR" altLang="en-US" dirty="0">
-                <a:latin typeface="휴먼엑스포" panose="02030504000101010101" pitchFamily="18" charset="-127"/>
-                <a:ea typeface="휴먼엑스포" panose="02030504000101010101" pitchFamily="18" charset="-127"/>
-              </a:rPr>
-              <a:t>형태로 추출</a:t>
+              <a:t>추출</a:t>
             </a:r>
             <a:endParaRPr lang="en-US" altLang="ko-KR" dirty="0">
               <a:latin typeface="휴먼엑스포" panose="02030504000101010101" pitchFamily="18" charset="-127"/>
@@ -5090,6 +5071,10 @@
             </a:endParaRPr>
           </a:p>
           <a:p>
+            <a:pPr marL="457200" indent="-457200">
+              <a:buFont typeface="+mj-lt"/>
+              <a:buAutoNum type="arabicPeriod"/>
+            </a:pPr>
             <a:r>
               <a:rPr lang="en-US" altLang="ko-KR" dirty="0">
                 <a:latin typeface="휴먼엑스포" panose="02030504000101010101" pitchFamily="18" charset="-127"/>
@@ -5152,6 +5137,10 @@
             </a:endParaRPr>
           </a:p>
           <a:p>
+            <a:pPr marL="457200" indent="-457200">
+              <a:buFont typeface="+mj-lt"/>
+              <a:buAutoNum type="arabicPeriod"/>
+            </a:pPr>
             <a:r>
               <a:rPr lang="ko-KR" altLang="en-US" dirty="0">
                 <a:latin typeface="휴먼엑스포" panose="02030504000101010101" pitchFamily="18" charset="-127"/>
@@ -5179,6 +5168,10 @@
             </a:endParaRPr>
           </a:p>
           <a:p>
+            <a:pPr marL="457200" indent="-457200">
+              <a:buFont typeface="+mj-lt"/>
+              <a:buAutoNum type="arabicPeriod"/>
+            </a:pPr>
             <a:r>
               <a:rPr lang="ko-KR" altLang="en-US" dirty="0">
                 <a:latin typeface="휴먼엑스포" panose="02030504000101010101" pitchFamily="18" charset="-127"/>
@@ -5192,6 +5185,10 @@
             </a:endParaRPr>
           </a:p>
           <a:p>
+            <a:pPr marL="457200" indent="-457200">
+              <a:buFont typeface="+mj-lt"/>
+              <a:buAutoNum type="arabicPeriod"/>
+            </a:pPr>
             <a:r>
               <a:rPr lang="ko-KR" altLang="en-US" dirty="0">
                 <a:latin typeface="휴먼엑스포" panose="02030504000101010101" pitchFamily="18" charset="-127"/>
@@ -5444,10 +5441,365 @@
   <p:clrMapOvr>
     <a:masterClrMapping/>
   </p:clrMapOvr>
+  <p:timing>
+    <p:tnLst>
+      <p:par>
+        <p:cTn id="1" dur="indefinite" restart="never" nodeType="tmRoot">
+          <p:childTnLst>
+            <p:seq concurrent="1" nextAc="seek">
+              <p:cTn id="2" dur="indefinite" nodeType="mainSeq">
+                <p:childTnLst>
+                  <p:par>
+                    <p:cTn id="3" fill="hold">
+                      <p:stCondLst>
+                        <p:cond delay="indefinite"/>
+                      </p:stCondLst>
+                      <p:childTnLst>
+                        <p:par>
+                          <p:cTn id="4" fill="hold">
+                            <p:stCondLst>
+                              <p:cond delay="0"/>
+                            </p:stCondLst>
+                            <p:childTnLst>
+                              <p:par>
+                                <p:cTn id="5" presetID="1" presetClass="entr" presetSubtype="0" fill="hold" grpId="0" nodeType="clickEffect">
+                                  <p:stCondLst>
+                                    <p:cond delay="0"/>
+                                  </p:stCondLst>
+                                  <p:childTnLst>
+                                    <p:set>
+                                      <p:cBhvr>
+                                        <p:cTn id="6" dur="1" fill="hold">
+                                          <p:stCondLst>
+                                            <p:cond delay="0"/>
+                                          </p:stCondLst>
+                                        </p:cTn>
+                                        <p:tgtEl>
+                                          <p:spTgt spid="15"/>
+                                        </p:tgtEl>
+                                        <p:attrNameLst>
+                                          <p:attrName>style.visibility</p:attrName>
+                                        </p:attrNameLst>
+                                      </p:cBhvr>
+                                      <p:to>
+                                        <p:strVal val="visible"/>
+                                      </p:to>
+                                    </p:set>
+                                  </p:childTnLst>
+                                </p:cTn>
+                              </p:par>
+                            </p:childTnLst>
+                          </p:cTn>
+                        </p:par>
+                      </p:childTnLst>
+                    </p:cTn>
+                  </p:par>
+                  <p:par>
+                    <p:cTn id="7" fill="hold">
+                      <p:stCondLst>
+                        <p:cond delay="indefinite"/>
+                      </p:stCondLst>
+                      <p:childTnLst>
+                        <p:par>
+                          <p:cTn id="8" fill="hold">
+                            <p:stCondLst>
+                              <p:cond delay="0"/>
+                            </p:stCondLst>
+                            <p:childTnLst>
+                              <p:par>
+                                <p:cTn id="9" presetID="1" presetClass="entr" presetSubtype="0" fill="hold" grpId="0" nodeType="clickEffect">
+                                  <p:stCondLst>
+                                    <p:cond delay="0"/>
+                                  </p:stCondLst>
+                                  <p:childTnLst>
+                                    <p:set>
+                                      <p:cBhvr>
+                                        <p:cTn id="10" dur="1" fill="hold">
+                                          <p:stCondLst>
+                                            <p:cond delay="0"/>
+                                          </p:stCondLst>
+                                        </p:cTn>
+                                        <p:tgtEl>
+                                          <p:spTgt spid="16"/>
+                                        </p:tgtEl>
+                                        <p:attrNameLst>
+                                          <p:attrName>style.visibility</p:attrName>
+                                        </p:attrNameLst>
+                                      </p:cBhvr>
+                                      <p:to>
+                                        <p:strVal val="visible"/>
+                                      </p:to>
+                                    </p:set>
+                                  </p:childTnLst>
+                                </p:cTn>
+                              </p:par>
+                            </p:childTnLst>
+                          </p:cTn>
+                        </p:par>
+                      </p:childTnLst>
+                    </p:cTn>
+                  </p:par>
+                  <p:par>
+                    <p:cTn id="11" fill="hold">
+                      <p:stCondLst>
+                        <p:cond delay="indefinite"/>
+                      </p:stCondLst>
+                      <p:childTnLst>
+                        <p:par>
+                          <p:cTn id="12" fill="hold">
+                            <p:stCondLst>
+                              <p:cond delay="0"/>
+                            </p:stCondLst>
+                            <p:childTnLst>
+                              <p:par>
+                                <p:cTn id="13" presetID="1" presetClass="entr" presetSubtype="0" fill="hold" grpId="0" nodeType="clickEffect">
+                                  <p:stCondLst>
+                                    <p:cond delay="0"/>
+                                  </p:stCondLst>
+                                  <p:childTnLst>
+                                    <p:set>
+                                      <p:cBhvr>
+                                        <p:cTn id="14" dur="1" fill="hold">
+                                          <p:stCondLst>
+                                            <p:cond delay="0"/>
+                                          </p:stCondLst>
+                                        </p:cTn>
+                                        <p:tgtEl>
+                                          <p:spTgt spid="17"/>
+                                        </p:tgtEl>
+                                        <p:attrNameLst>
+                                          <p:attrName>style.visibility</p:attrName>
+                                        </p:attrNameLst>
+                                      </p:cBhvr>
+                                      <p:to>
+                                        <p:strVal val="visible"/>
+                                      </p:to>
+                                    </p:set>
+                                  </p:childTnLst>
+                                </p:cTn>
+                              </p:par>
+                            </p:childTnLst>
+                          </p:cTn>
+                        </p:par>
+                      </p:childTnLst>
+                    </p:cTn>
+                  </p:par>
+                </p:childTnLst>
+              </p:cTn>
+              <p:prevCondLst>
+                <p:cond evt="onPrev" delay="0">
+                  <p:tgtEl>
+                    <p:sldTgt/>
+                  </p:tgtEl>
+                </p:cond>
+              </p:prevCondLst>
+              <p:nextCondLst>
+                <p:cond evt="onNext" delay="0">
+                  <p:tgtEl>
+                    <p:sldTgt/>
+                  </p:tgtEl>
+                </p:cond>
+              </p:nextCondLst>
+            </p:seq>
+          </p:childTnLst>
+        </p:cTn>
+      </p:par>
+    </p:tnLst>
+    <p:bldLst>
+      <p:bldP spid="15" grpId="0"/>
+      <p:bldP spid="16" grpId="0"/>
+      <p:bldP spid="17" grpId="0"/>
+    </p:bldLst>
+  </p:timing>
 </p:sld>
 </file>
 
 <file path=ppt/slides/slide5.xml><?xml version="1.0" encoding="utf-8"?>
+<p:sld xmlns:a="http://schemas.openxmlformats.org/drawingml/2006/main" xmlns:r="http://schemas.openxmlformats.org/officeDocument/2006/relationships" xmlns:p="http://schemas.openxmlformats.org/presentationml/2006/main">
+  <p:cSld>
+    <p:spTree>
+      <p:nvGrpSpPr>
+        <p:cNvPr id="1" name=""/>
+        <p:cNvGrpSpPr/>
+        <p:nvPr/>
+      </p:nvGrpSpPr>
+      <p:grpSpPr>
+        <a:xfrm>
+          <a:off x="0" y="0"/>
+          <a:ext cx="0" cy="0"/>
+          <a:chOff x="0" y="0"/>
+          <a:chExt cx="0" cy="0"/>
+        </a:xfrm>
+      </p:grpSpPr>
+      <p:sp>
+        <p:nvSpPr>
+          <p:cNvPr id="2" name="제목 1">
+            <a:extLst>
+              <a:ext uri="{FF2B5EF4-FFF2-40B4-BE49-F238E27FC236}">
+                <a16:creationId xmlns:a16="http://schemas.microsoft.com/office/drawing/2014/main" id="{B94E96E7-94AD-4E28-AA03-39DD29BF6264}"/>
+              </a:ext>
+            </a:extLst>
+          </p:cNvPr>
+          <p:cNvSpPr>
+            <a:spLocks noGrp="1"/>
+          </p:cNvSpPr>
+          <p:nvPr>
+            <p:ph type="title"/>
+          </p:nvPr>
+        </p:nvSpPr>
+        <p:spPr>
+          <a:xfrm>
+            <a:off x="5100824" y="685800"/>
+            <a:ext cx="6176776" cy="1485900"/>
+          </a:xfrm>
+        </p:spPr>
+        <p:txBody>
+          <a:bodyPr>
+            <a:normAutofit/>
+          </a:bodyPr>
+          <a:lstStyle/>
+          <a:p>
+            <a:r>
+              <a:rPr lang="en-US" altLang="ko-KR" b="1" dirty="0">
+                <a:latin typeface="Arial Black" panose="020B0A04020102020204" pitchFamily="34" charset="0"/>
+              </a:rPr>
+              <a:t>PROBLEM</a:t>
+            </a:r>
+            <a:br>
+              <a:rPr lang="en-US" altLang="ko-KR" b="1" dirty="0">
+                <a:latin typeface="Arial Black" panose="020B0A04020102020204" pitchFamily="34" charset="0"/>
+              </a:rPr>
+            </a:br>
+            <a:r>
+              <a:rPr lang="en-US" altLang="ko-KR" b="1" dirty="0">
+                <a:latin typeface="Arial Black" panose="020B0A04020102020204" pitchFamily="34" charset="0"/>
+              </a:rPr>
+              <a:t>MAKING INSIGHT</a:t>
+            </a:r>
+            <a:endParaRPr lang="ko-KR" altLang="en-US" b="1" dirty="0">
+              <a:latin typeface="Arial Black" panose="020B0A04020102020204" pitchFamily="34" charset="0"/>
+            </a:endParaRPr>
+          </a:p>
+        </p:txBody>
+      </p:sp>
+      <p:pic>
+        <p:nvPicPr>
+          <p:cNvPr id="9" name="그림 8">
+            <a:extLst>
+              <a:ext uri="{FF2B5EF4-FFF2-40B4-BE49-F238E27FC236}">
+                <a16:creationId xmlns:a16="http://schemas.microsoft.com/office/drawing/2014/main" id="{D9612EA3-A099-40B3-9048-97F0530F3892}"/>
+              </a:ext>
+            </a:extLst>
+          </p:cNvPr>
+          <p:cNvPicPr>
+            <a:picLocks noChangeAspect="1"/>
+          </p:cNvPicPr>
+          <p:nvPr/>
+        </p:nvPicPr>
+        <p:blipFill rotWithShape="1">
+          <a:blip r:embed="rId2"/>
+          <a:srcRect l="31402" r="27783"/>
+          <a:stretch/>
+        </p:blipFill>
+        <p:spPr>
+          <a:xfrm>
+            <a:off x="-1" y="10"/>
+            <a:ext cx="4373546" cy="6857990"/>
+          </a:xfrm>
+          <a:prstGeom prst="rect">
+            <a:avLst/>
+          </a:prstGeom>
+        </p:spPr>
+      </p:pic>
+      <p:sp>
+        <p:nvSpPr>
+          <p:cNvPr id="3" name="내용 개체 틀 2">
+            <a:extLst>
+              <a:ext uri="{FF2B5EF4-FFF2-40B4-BE49-F238E27FC236}">
+                <a16:creationId xmlns:a16="http://schemas.microsoft.com/office/drawing/2014/main" id="{749D7E81-D03D-4F33-9FF8-F950B4D15779}"/>
+              </a:ext>
+            </a:extLst>
+          </p:cNvPr>
+          <p:cNvSpPr>
+            <a:spLocks noGrp="1"/>
+          </p:cNvSpPr>
+          <p:nvPr>
+            <p:ph idx="1"/>
+          </p:nvPr>
+        </p:nvSpPr>
+        <p:spPr>
+          <a:xfrm>
+            <a:off x="5100824" y="2286000"/>
+            <a:ext cx="6176776" cy="3581400"/>
+          </a:xfrm>
+        </p:spPr>
+        <p:txBody>
+          <a:bodyPr>
+            <a:normAutofit/>
+          </a:bodyPr>
+          <a:lstStyle/>
+          <a:p>
+            <a:r>
+              <a:rPr lang="ko-KR" altLang="en-US" dirty="0"/>
+              <a:t>의존도가 높은 특정 정류소들이 존재하지 않을까</a:t>
+            </a:r>
+            <a:r>
+              <a:rPr lang="en-US" altLang="ko-KR" dirty="0"/>
+              <a:t>?</a:t>
+            </a:r>
+          </a:p>
+          <a:p>
+            <a:r>
+              <a:rPr lang="ko-KR" altLang="en-US" dirty="0"/>
+              <a:t>유독 노선이 적은 정류소들이 존재하지 않을까</a:t>
+            </a:r>
+            <a:r>
+              <a:rPr lang="en-US" altLang="ko-KR" dirty="0"/>
+              <a:t>?</a:t>
+            </a:r>
+          </a:p>
+          <a:p>
+            <a:r>
+              <a:rPr lang="ko-KR" altLang="en-US" dirty="0"/>
+              <a:t>고유백터 </a:t>
+            </a:r>
+            <a:r>
+              <a:rPr lang="ko-KR" altLang="en-US" dirty="0" err="1"/>
+              <a:t>중심성</a:t>
+            </a:r>
+            <a:r>
+              <a:rPr lang="en-US" altLang="ko-KR" dirty="0"/>
+              <a:t>, </a:t>
+            </a:r>
+            <a:r>
+              <a:rPr lang="ko-KR" altLang="en-US" dirty="0"/>
+              <a:t>매개 </a:t>
+            </a:r>
+            <a:r>
+              <a:rPr lang="ko-KR" altLang="en-US" dirty="0" err="1"/>
+              <a:t>중심성</a:t>
+            </a:r>
+            <a:r>
+              <a:rPr lang="ko-KR" altLang="en-US" dirty="0"/>
+              <a:t> 자료 등을 활용</a:t>
+            </a:r>
+          </a:p>
+        </p:txBody>
+      </p:sp>
+    </p:spTree>
+    <p:extLst>
+      <p:ext uri="{BB962C8B-B14F-4D97-AF65-F5344CB8AC3E}">
+        <p14:creationId xmlns:p14="http://schemas.microsoft.com/office/powerpoint/2010/main" val="1738620203"/>
+      </p:ext>
+    </p:extLst>
+  </p:cSld>
+  <p:clrMapOvr>
+    <a:masterClrMapping/>
+  </p:clrMapOvr>
+</p:sld>
+</file>
+
+<file path=ppt/slides/slide6.xml><?xml version="1.0" encoding="utf-8"?>
 <p:sld xmlns:a="http://schemas.openxmlformats.org/drawingml/2006/main" xmlns:r="http://schemas.openxmlformats.org/officeDocument/2006/relationships" xmlns:p="http://schemas.openxmlformats.org/presentationml/2006/main">
   <p:cSld>
     <p:bg>
@@ -5794,7 +6146,7 @@
 </p:sld>
 </file>
 
-<file path=ppt/slides/slide6.xml><?xml version="1.0" encoding="utf-8"?>
+<file path=ppt/slides/slide7.xml><?xml version="1.0" encoding="utf-8"?>
 <p:sld xmlns:a="http://schemas.openxmlformats.org/drawingml/2006/main" xmlns:r="http://schemas.openxmlformats.org/officeDocument/2006/relationships" xmlns:p="http://schemas.openxmlformats.org/presentationml/2006/main">
   <p:cSld>
     <p:bg>
